--- a/CYBER360-2.5-Profiles-Functions.pptx
+++ b/CYBER360-2.5-Profiles-Functions.pptx
@@ -125,14 +125,6 @@
 </p:presentation>
 </file>
 
-<file path=ppt/revisionInfo.xml><?xml version="1.0" encoding="utf-8"?>
-<p1510:revInfo xmlns:a="http://schemas.openxmlformats.org/drawingml/2006/main" xmlns:r="http://schemas.openxmlformats.org/officeDocument/2006/relationships" xmlns:p1510="http://schemas.microsoft.com/office/powerpoint/2015/10/main">
-  <p1510:revLst>
-    <p1510:client id="{14F797DE-E75B-4062-A6FB-AA9F07155580}" v="10" dt="2024-01-04T18:07:22.529"/>
-  </p1510:revLst>
-</p1510:revInfo>
-</file>
-
 <file path=ppt/changesInfos/changesInfo1.xml><?xml version="1.0" encoding="utf-8"?>
 <pc:chgInfo xmlns:a="http://schemas.openxmlformats.org/drawingml/2006/main" xmlns:r="http://schemas.openxmlformats.org/officeDocument/2006/relationships" xmlns:ac="http://schemas.microsoft.com/office/drawing/2013/main/command" xmlns:pc="http://schemas.microsoft.com/office/powerpoint/2013/main/command">
   <pc:docChgLst>
@@ -1112,6 +1104,105 @@
           <pc:docMk/>
           <pc:sldMk cId="402695151" sldId="302"/>
         </pc:sldMkLst>
+      </pc:sldChg>
+    </pc:docChg>
+  </pc:docChgLst>
+  <pc:docChgLst>
+    <pc:chgData name="Gibbons, Carl" userId="d2b037bc-8fb4-4222-845c-61440543a456" providerId="ADAL" clId="{0591ADFA-255F-40E4-9D70-98D05784BBE1}"/>
+    <pc:docChg chg="undo custSel modSld">
+      <pc:chgData name="Gibbons, Carl" userId="d2b037bc-8fb4-4222-845c-61440543a456" providerId="ADAL" clId="{0591ADFA-255F-40E4-9D70-98D05784BBE1}" dt="2024-01-23T17:09:19.327" v="426" actId="20577"/>
+      <pc:docMkLst>
+        <pc:docMk/>
+      </pc:docMkLst>
+      <pc:sldChg chg="modSp mod">
+        <pc:chgData name="Gibbons, Carl" userId="d2b037bc-8fb4-4222-845c-61440543a456" providerId="ADAL" clId="{0591ADFA-255F-40E4-9D70-98D05784BBE1}" dt="2024-01-23T16:20:24.148" v="3" actId="1036"/>
+        <pc:sldMkLst>
+          <pc:docMk/>
+          <pc:sldMk cId="1861646120" sldId="293"/>
+        </pc:sldMkLst>
+        <pc:spChg chg="mod">
+          <ac:chgData name="Gibbons, Carl" userId="d2b037bc-8fb4-4222-845c-61440543a456" providerId="ADAL" clId="{0591ADFA-255F-40E4-9D70-98D05784BBE1}" dt="2024-01-23T16:20:24.148" v="3" actId="1036"/>
+          <ac:spMkLst>
+            <pc:docMk/>
+            <pc:sldMk cId="1861646120" sldId="293"/>
+            <ac:spMk id="3" creationId="{B5924E0F-A977-1710-779D-EEB74261AF34}"/>
+          </ac:spMkLst>
+        </pc:spChg>
+      </pc:sldChg>
+      <pc:sldChg chg="modSp mod">
+        <pc:chgData name="Gibbons, Carl" userId="d2b037bc-8fb4-4222-845c-61440543a456" providerId="ADAL" clId="{0591ADFA-255F-40E4-9D70-98D05784BBE1}" dt="2024-01-23T17:07:49.797" v="374" actId="20577"/>
+        <pc:sldMkLst>
+          <pc:docMk/>
+          <pc:sldMk cId="2232562783" sldId="294"/>
+        </pc:sldMkLst>
+        <pc:spChg chg="mod">
+          <ac:chgData name="Gibbons, Carl" userId="d2b037bc-8fb4-4222-845c-61440543a456" providerId="ADAL" clId="{0591ADFA-255F-40E4-9D70-98D05784BBE1}" dt="2024-01-23T17:07:49.797" v="374" actId="20577"/>
+          <ac:spMkLst>
+            <pc:docMk/>
+            <pc:sldMk cId="2232562783" sldId="294"/>
+            <ac:spMk id="3" creationId="{B5924E0F-A977-1710-779D-EEB74261AF34}"/>
+          </ac:spMkLst>
+        </pc:spChg>
+      </pc:sldChg>
+      <pc:sldChg chg="modSp mod">
+        <pc:chgData name="Gibbons, Carl" userId="d2b037bc-8fb4-4222-845c-61440543a456" providerId="ADAL" clId="{0591ADFA-255F-40E4-9D70-98D05784BBE1}" dt="2024-01-23T17:09:19.327" v="426" actId="20577"/>
+        <pc:sldMkLst>
+          <pc:docMk/>
+          <pc:sldMk cId="2424714671" sldId="297"/>
+        </pc:sldMkLst>
+        <pc:spChg chg="mod">
+          <ac:chgData name="Gibbons, Carl" userId="d2b037bc-8fb4-4222-845c-61440543a456" providerId="ADAL" clId="{0591ADFA-255F-40E4-9D70-98D05784BBE1}" dt="2024-01-23T17:09:19.327" v="426" actId="20577"/>
+          <ac:spMkLst>
+            <pc:docMk/>
+            <pc:sldMk cId="2424714671" sldId="297"/>
+            <ac:spMk id="3" creationId="{B5924E0F-A977-1710-779D-EEB74261AF34}"/>
+          </ac:spMkLst>
+        </pc:spChg>
+      </pc:sldChg>
+      <pc:sldChg chg="modSp mod">
+        <pc:chgData name="Gibbons, Carl" userId="d2b037bc-8fb4-4222-845c-61440543a456" providerId="ADAL" clId="{0591ADFA-255F-40E4-9D70-98D05784BBE1}" dt="2024-01-23T17:03:33.853" v="297" actId="20577"/>
+        <pc:sldMkLst>
+          <pc:docMk/>
+          <pc:sldMk cId="3051209672" sldId="300"/>
+        </pc:sldMkLst>
+        <pc:spChg chg="mod">
+          <ac:chgData name="Gibbons, Carl" userId="d2b037bc-8fb4-4222-845c-61440543a456" providerId="ADAL" clId="{0591ADFA-255F-40E4-9D70-98D05784BBE1}" dt="2024-01-23T17:03:33.853" v="297" actId="20577"/>
+          <ac:spMkLst>
+            <pc:docMk/>
+            <pc:sldMk cId="3051209672" sldId="300"/>
+            <ac:spMk id="3" creationId="{B5924E0F-A977-1710-779D-EEB74261AF34}"/>
+          </ac:spMkLst>
+        </pc:spChg>
+      </pc:sldChg>
+      <pc:sldChg chg="modSp mod">
+        <pc:chgData name="Gibbons, Carl" userId="d2b037bc-8fb4-4222-845c-61440543a456" providerId="ADAL" clId="{0591ADFA-255F-40E4-9D70-98D05784BBE1}" dt="2024-01-23T17:04:53.755" v="313" actId="20577"/>
+        <pc:sldMkLst>
+          <pc:docMk/>
+          <pc:sldMk cId="3643293265" sldId="301"/>
+        </pc:sldMkLst>
+        <pc:spChg chg="mod">
+          <ac:chgData name="Gibbons, Carl" userId="d2b037bc-8fb4-4222-845c-61440543a456" providerId="ADAL" clId="{0591ADFA-255F-40E4-9D70-98D05784BBE1}" dt="2024-01-23T17:04:53.755" v="313" actId="20577"/>
+          <ac:spMkLst>
+            <pc:docMk/>
+            <pc:sldMk cId="3643293265" sldId="301"/>
+            <ac:spMk id="3" creationId="{B5924E0F-A977-1710-779D-EEB74261AF34}"/>
+          </ac:spMkLst>
+        </pc:spChg>
+      </pc:sldChg>
+      <pc:sldChg chg="modSp mod">
+        <pc:chgData name="Gibbons, Carl" userId="d2b037bc-8fb4-4222-845c-61440543a456" providerId="ADAL" clId="{0591ADFA-255F-40E4-9D70-98D05784BBE1}" dt="2024-01-23T17:06:09.962" v="372" actId="20577"/>
+        <pc:sldMkLst>
+          <pc:docMk/>
+          <pc:sldMk cId="402695151" sldId="302"/>
+        </pc:sldMkLst>
+        <pc:spChg chg="mod">
+          <ac:chgData name="Gibbons, Carl" userId="d2b037bc-8fb4-4222-845c-61440543a456" providerId="ADAL" clId="{0591ADFA-255F-40E4-9D70-98D05784BBE1}" dt="2024-01-23T17:06:09.962" v="372" actId="20577"/>
+          <ac:spMkLst>
+            <pc:docMk/>
+            <pc:sldMk cId="402695151" sldId="302"/>
+            <ac:spMk id="3" creationId="{B5924E0F-A977-1710-779D-EEB74261AF34}"/>
+          </ac:spMkLst>
+        </pc:spChg>
       </pc:sldChg>
     </pc:docChg>
   </pc:docChgLst>
@@ -2071,7 +2162,7 @@
           <a:p>
             <a:fld id="{421996D4-4A1C-4BBC-AA2B-FD5B7FC395A0}" type="datetime1">
               <a:rPr lang="en-US" smtClean="0"/>
-              <a:t>1/3/2024</a:t>
+              <a:t>1/23/2024</a:t>
             </a:fld>
             <a:endParaRPr lang="en-US"/>
           </a:p>
@@ -2269,7 +2360,7 @@
           <a:p>
             <a:fld id="{CB43818D-5554-4105-BE04-CEE32DEBDA0A}" type="datetime1">
               <a:rPr lang="en-US" smtClean="0"/>
-              <a:t>1/3/2024</a:t>
+              <a:t>1/23/2024</a:t>
             </a:fld>
             <a:endParaRPr lang="en-US"/>
           </a:p>
@@ -2477,7 +2568,7 @@
           <a:p>
             <a:fld id="{AFAC11C6-1708-41BC-9474-3D7842023D96}" type="datetime1">
               <a:rPr lang="en-US" smtClean="0"/>
-              <a:t>1/3/2024</a:t>
+              <a:t>1/23/2024</a:t>
             </a:fld>
             <a:endParaRPr lang="en-US"/>
           </a:p>
@@ -2756,7 +2847,7 @@
           <a:p>
             <a:fld id="{490605F8-8C86-41F5-9F5E-04EDB8C2540B}" type="datetime1">
               <a:rPr lang="en-US" smtClean="0"/>
-              <a:t>1/3/2024</a:t>
+              <a:t>1/23/2024</a:t>
             </a:fld>
             <a:endParaRPr lang="en-US"/>
           </a:p>
@@ -3031,7 +3122,7 @@
           <a:p>
             <a:fld id="{CA355DA2-1E89-41CC-B722-CBFC08F260AE}" type="datetime1">
               <a:rPr lang="en-US" smtClean="0"/>
-              <a:t>1/3/2024</a:t>
+              <a:t>1/23/2024</a:t>
             </a:fld>
             <a:endParaRPr lang="en-US"/>
           </a:p>
@@ -3296,7 +3387,7 @@
           <a:p>
             <a:fld id="{7F6AFD48-C472-404E-B7B5-BA44CCF2F55D}" type="datetime1">
               <a:rPr lang="en-US" smtClean="0"/>
-              <a:t>1/3/2024</a:t>
+              <a:t>1/23/2024</a:t>
             </a:fld>
             <a:endParaRPr lang="en-US"/>
           </a:p>
@@ -3708,7 +3799,7 @@
           <a:p>
             <a:fld id="{B33F52E9-9255-4CAF-909C-660126F1B079}" type="datetime1">
               <a:rPr lang="en-US" smtClean="0"/>
-              <a:t>1/3/2024</a:t>
+              <a:t>1/23/2024</a:t>
             </a:fld>
             <a:endParaRPr lang="en-US"/>
           </a:p>
@@ -3849,7 +3940,7 @@
           <a:p>
             <a:fld id="{67F9F019-D13C-4797-8A9F-7B02D5B8121E}" type="datetime1">
               <a:rPr lang="en-US" smtClean="0"/>
-              <a:t>1/3/2024</a:t>
+              <a:t>1/23/2024</a:t>
             </a:fld>
             <a:endParaRPr lang="en-US"/>
           </a:p>
@@ -3962,7 +4053,7 @@
           <a:p>
             <a:fld id="{FDA143B9-A6C4-436D-945A-FF5B3EA2EF39}" type="datetime1">
               <a:rPr lang="en-US" smtClean="0"/>
-              <a:t>1/3/2024</a:t>
+              <a:t>1/23/2024</a:t>
             </a:fld>
             <a:endParaRPr lang="en-US"/>
           </a:p>
@@ -4273,7 +4364,7 @@
           <a:p>
             <a:fld id="{457E18FE-B6F9-4F6A-835B-8251F04458A0}" type="datetime1">
               <a:rPr lang="en-US" smtClean="0"/>
-              <a:t>1/3/2024</a:t>
+              <a:t>1/23/2024</a:t>
             </a:fld>
             <a:endParaRPr lang="en-US"/>
           </a:p>
@@ -4561,7 +4652,7 @@
           <a:p>
             <a:fld id="{5F2690CE-112A-455B-AD5F-E26CEA6A5331}" type="datetime1">
               <a:rPr lang="en-US" smtClean="0"/>
-              <a:t>1/3/2024</a:t>
+              <a:t>1/23/2024</a:t>
             </a:fld>
             <a:endParaRPr lang="en-US"/>
           </a:p>
@@ -4802,7 +4893,7 @@
           <a:p>
             <a:fld id="{9C4E342D-98AB-407C-88D4-A20ED0F70E1C}" type="datetime1">
               <a:rPr lang="en-US" smtClean="0"/>
-              <a:t>1/3/2024</a:t>
+              <a:t>1/23/2024</a:t>
             </a:fld>
             <a:endParaRPr lang="en-US"/>
           </a:p>
@@ -5624,7 +5715,19 @@
             </a:pPr>
             <a:r>
               <a:rPr lang="en-US" sz="2000" dirty="0"/>
-              <a:t>Borrow advanced cmdlet functionality:</a:t>
+              <a:t>Borrow advanced cmdlet functionality, such </a:t>
+            </a:r>
+            <a:r>
+              <a:rPr lang="en-US" sz="2000"/>
+              <a:t>as PowerShell’s </a:t>
+            </a:r>
+            <a:r>
+              <a:rPr lang="en-US" sz="2000" i="1" dirty="0"/>
+              <a:t>Verbose</a:t>
+            </a:r>
+            <a:r>
+              <a:rPr lang="en-US" sz="2000" dirty="0"/>
+              <a:t> output stream:</a:t>
             </a:r>
           </a:p>
           <a:p>
@@ -6521,7 +6624,7 @@
         <p:spPr>
           <a:xfrm>
             <a:off x="1260764" y="1054728"/>
-            <a:ext cx="9662835" cy="4708981"/>
+            <a:ext cx="9662835" cy="4862870"/>
           </a:xfrm>
           <a:prstGeom prst="rect">
             <a:avLst/>
@@ -6539,8 +6642,32 @@
               <a:buChar char="•"/>
             </a:pPr>
             <a:r>
+              <a:rPr lang="en-US" sz="2000" i="1" dirty="0"/>
+              <a:t>Profiles</a:t>
+            </a:r>
+            <a:r>
               <a:rPr lang="en-US" sz="2000" dirty="0"/>
-              <a:t>Configuration files used to initialize your CLI environment</a:t>
+              <a:t> are configuration scripts. They initialize your CLI environment.</a:t>
+            </a:r>
+          </a:p>
+          <a:p>
+            <a:pPr marL="342900" indent="-342900">
+              <a:buFont typeface="Arial" panose="020B0604020202020204" pitchFamily="34" charset="0"/>
+              <a:buChar char="•"/>
+            </a:pPr>
+            <a:r>
+              <a:rPr lang="en-US" sz="2000" dirty="0"/>
+              <a:t>Your own profile probably doesn’t exist until after you create it.</a:t>
+            </a:r>
+          </a:p>
+          <a:p>
+            <a:pPr marL="342900" indent="-342900">
+              <a:buFont typeface="Arial" panose="020B0604020202020204" pitchFamily="34" charset="0"/>
+              <a:buChar char="•"/>
+            </a:pPr>
+            <a:r>
+              <a:rPr lang="en-US" sz="2000" dirty="0"/>
+              <a:t>The path to your profile differs based on platform, PowerShell version, etc.</a:t>
             </a:r>
           </a:p>
           <a:p>
@@ -6598,16 +6725,20 @@
             </a:r>
           </a:p>
           <a:p>
-            <a:pPr marL="1257300" lvl="2" indent="-342900">
-              <a:buFont typeface="Arial" panose="020B0604020202020204" pitchFamily="34" charset="0"/>
-              <a:buChar char="•"/>
-            </a:pPr>
-            <a:r>
-              <a:rPr lang="en-US" sz="2000" dirty="0">
-                <a:latin typeface="Lucida Console" panose="020B0609040504020204" pitchFamily="49" charset="0"/>
-              </a:rPr>
-              <a:t>Add-Content –Path $PROFILE –Value "New-Alias –Name Get-Ip –Value 'ipconfig.exe'"</a:t>
-            </a:r>
+            <a:endParaRPr lang="en-US" sz="1500" dirty="0">
+              <a:latin typeface="Lucida Console" panose="020B0609040504020204" pitchFamily="49" charset="0"/>
+            </a:endParaRPr>
+          </a:p>
+          <a:p>
+            <a:r>
+              <a:rPr lang="en-US" sz="1500" dirty="0">
+                <a:latin typeface="Lucida Console" panose="020B0609040504020204" pitchFamily="49" charset="0"/>
+              </a:rPr>
+              <a:t>Add-Content -Path $PROFILE -Value "New-Alias -Name Get-Ip -Value 'ipconfig.exe’”</a:t>
+            </a:r>
+          </a:p>
+          <a:p>
+            <a:endParaRPr lang="en-US" sz="2000" dirty="0"/>
           </a:p>
           <a:p>
             <a:pPr marL="342900" indent="-342900">
@@ -6616,27 +6747,7 @@
             </a:pPr>
             <a:r>
               <a:rPr lang="en-US" sz="2000" dirty="0"/>
-              <a:t>Your own profile probably doesn’t exist until after you create it.</a:t>
-            </a:r>
-          </a:p>
-          <a:p>
-            <a:pPr marL="342900" indent="-342900">
-              <a:buFont typeface="Arial" panose="020B0604020202020204" pitchFamily="34" charset="0"/>
-              <a:buChar char="•"/>
-            </a:pPr>
-            <a:r>
-              <a:rPr lang="en-US" sz="2000" dirty="0"/>
-              <a:t>The path to your profile differs based on platform, PowerShell version, etc.</a:t>
-            </a:r>
-          </a:p>
-          <a:p>
-            <a:pPr marL="342900" indent="-342900">
-              <a:buFont typeface="Arial" panose="020B0604020202020204" pitchFamily="34" charset="0"/>
-              <a:buChar char="•"/>
-            </a:pPr>
-            <a:r>
-              <a:rPr lang="en-US" sz="2000" dirty="0"/>
-              <a:t>There are other profile scripts. Use this pipeline command to see the others:</a:t>
+              <a:t>Domain administrators can manage other profiles. This pipeline command shows them:</a:t>
             </a:r>
           </a:p>
           <a:p>
@@ -6648,7 +6759,7 @@
               <a:rPr lang="en-US" sz="2000" dirty="0">
                 <a:latin typeface="Lucida Console" panose="020B0609040504020204" pitchFamily="49" charset="0"/>
               </a:rPr>
-              <a:t>$PROFILE | Format-List * Force</a:t>
+              <a:t>$PROFILE | Format-List * -Force</a:t>
             </a:r>
           </a:p>
           <a:p>
@@ -6778,7 +6889,7 @@
             </a:pPr>
             <a:r>
               <a:rPr lang="en-US" sz="2000" dirty="0"/>
-              <a:t>File systems contain directories and files, but many operating systems also use file systems for other abstract. For example, the Linux kernel includes a fake directory </a:t>
+              <a:t>File systems contain directories and files, but many operating systems also use file systems for other abstract uses. For example, the Linux kernel includes a fake directory </a:t>
             </a:r>
             <a:r>
               <a:rPr lang="en-US" sz="2000" dirty="0">
@@ -6788,7 +6899,7 @@
             </a:r>
             <a:r>
               <a:rPr lang="en-US" sz="2000" dirty="0"/>
-              <a:t> through which the Linux kernel presents access to kernel features as if they were files and folders. Linux example:</a:t>
+              <a:t> through which the Linux kernel presents kernel features as if they were files and folders. Linux example:</a:t>
             </a:r>
           </a:p>
           <a:p>
@@ -6888,7 +6999,7 @@
             </a:r>
             <a:r>
               <a:rPr lang="en-US" sz="2000" dirty="0"/>
-              <a:t> to see all available providers and drives</a:t>
+              <a:t> to see all available providers and drives.</a:t>
             </a:r>
           </a:p>
           <a:p>
@@ -7208,7 +7319,7 @@
             </a:pPr>
             <a:r>
               <a:rPr lang="en-US" sz="2000" dirty="0"/>
-              <a:t>In Windows, PowerShell features additional </a:t>
+              <a:t>In Windows, PowerShell has additional </a:t>
             </a:r>
             <a:r>
               <a:rPr lang="en-US" sz="2000" dirty="0" err="1"/>
@@ -7216,7 +7327,7 @@
             </a:r>
             <a:r>
               <a:rPr lang="en-US" sz="2000" dirty="0"/>
-              <a:t> specific to their platform:</a:t>
+              <a:t> specific to Microsoft’s platform:</a:t>
             </a:r>
           </a:p>
           <a:p>
@@ -7236,7 +7347,7 @@
             </a:pPr>
             <a:r>
               <a:rPr lang="en-US" sz="2000" dirty="0"/>
-              <a:t>Certificate</a:t>
+              <a:t>Certificate Store</a:t>
             </a:r>
           </a:p>
           <a:p>
@@ -7245,10 +7356,9 @@
               <a:buChar char="•"/>
             </a:pPr>
             <a:r>
-              <a:rPr lang="en-US" sz="2000" dirty="0" err="1"/>
-              <a:t>WSMan</a:t>
-            </a:r>
-            <a:endParaRPr lang="en-US" sz="2000" dirty="0"/>
+              <a:rPr lang="en-US" sz="2000" dirty="0"/>
+              <a:t>Windows Management</a:t>
+            </a:r>
           </a:p>
           <a:p>
             <a:pPr marL="342900" indent="-342900">
@@ -7966,7 +8076,7 @@
         </p:nvSpPr>
         <p:spPr>
           <a:xfrm>
-            <a:off x="1260764" y="1054728"/>
+            <a:off x="1264582" y="1081008"/>
             <a:ext cx="9662835" cy="4616648"/>
           </a:xfrm>
           <a:prstGeom prst="rect">
@@ -8380,7 +8490,7 @@
               <a:rPr lang="en-US" sz="2000" dirty="0">
                 <a:latin typeface="Lucida Console" panose="020B0609040504020204" pitchFamily="49" charset="0"/>
               </a:rPr>
-              <a:t>        Write-Output ‘No additional </a:t>
+              <a:t>        Write-Output 'No additional </a:t>
             </a:r>
             <a:r>
               <a:rPr lang="en-US" sz="2000" dirty="0" err="1">
